--- a/Dokumente/Zwischenpraesentation_01_30-11-16/zwischenpraesentation_communicational_01.pptx
+++ b/Dokumente/Zwischenpraesentation_01_30-11-16/zwischenpraesentation_communicational_01.pptx
@@ -198,7 +198,7 @@
           <a:p>
             <a:fld id="{D0F65706-8D0B-4AA0-94F3-0ABDBB90D6F2}" type="datetimeFigureOut">
               <a:rPr lang="de-AT" smtClean="0"/>
-              <a:t>28.11.2016</a:t>
+              <a:t>29.11.2016</a:t>
             </a:fld>
             <a:endParaRPr lang="de-AT"/>
           </a:p>
@@ -357,7 +357,7 @@
           <a:p>
             <a:fld id="{EB96B946-4122-4E74-814E-3B99092B8533}" type="slidenum">
               <a:rPr lang="de-AT" smtClean="0"/>
-              <a:t>‹#›</a:t>
+              <a:t>‹Nr.›</a:t>
             </a:fld>
             <a:endParaRPr lang="de-AT"/>
           </a:p>
@@ -1265,7 +1265,7 @@
             <a:fld id="{87DE6118-2437-4B30-8E3C-4D2BE6020583}" type="datetimeFigureOut">
               <a:rPr lang="en-US"/>
               <a:pPr/>
-              <a:t>11/28/2016</a:t>
+              <a:t>11/29/2016</a:t>
             </a:fld>
             <a:endParaRPr lang="en-US"/>
           </a:p>
@@ -1334,7 +1334,7 @@
             <a:fld id="{69E57DC2-970A-4B3E-BB1C-7A09969E49DF}" type="slidenum">
               <a:rPr lang="en-US"/>
               <a:pPr/>
-              <a:t>‹#›</a:t>
+              <a:t>‹Nr.›</a:t>
             </a:fld>
             <a:endParaRPr lang="en-US"/>
           </a:p>
@@ -1591,7 +1591,7 @@
           <a:p>
             <a:fld id="{87DE6118-2437-4B30-8E3C-4D2BE6020583}" type="datetimeFigureOut">
               <a:rPr lang="en-US"/>
-              <a:t>11/28/2016</a:t>
+              <a:t>11/29/2016</a:t>
             </a:fld>
             <a:endParaRPr lang="en-US"/>
           </a:p>
@@ -1633,7 +1633,7 @@
           <a:p>
             <a:fld id="{69E57DC2-970A-4B3E-BB1C-7A09969E49DF}" type="slidenum">
               <a:rPr lang="en-US"/>
-              <a:t>‹#›</a:t>
+              <a:t>‹Nr.›</a:t>
             </a:fld>
             <a:endParaRPr lang="en-US"/>
           </a:p>
@@ -1766,7 +1766,7 @@
           <a:p>
             <a:fld id="{87DE6118-2437-4B30-8E3C-4D2BE6020583}" type="datetimeFigureOut">
               <a:rPr lang="en-US"/>
-              <a:t>11/28/2016</a:t>
+              <a:t>11/29/2016</a:t>
             </a:fld>
             <a:endParaRPr lang="en-US"/>
           </a:p>
@@ -1808,7 +1808,7 @@
           <a:p>
             <a:fld id="{69E57DC2-970A-4B3E-BB1C-7A09969E49DF}" type="slidenum">
               <a:rPr lang="en-US"/>
-              <a:t>‹#›</a:t>
+              <a:t>‹Nr.›</a:t>
             </a:fld>
             <a:endParaRPr lang="en-US"/>
           </a:p>
@@ -1931,7 +1931,7 @@
           <a:p>
             <a:fld id="{87DE6118-2437-4B30-8E3C-4D2BE6020583}" type="datetimeFigureOut">
               <a:rPr lang="en-US"/>
-              <a:t>11/28/2016</a:t>
+              <a:t>11/29/2016</a:t>
             </a:fld>
             <a:endParaRPr lang="en-US"/>
           </a:p>
@@ -1973,7 +1973,7 @@
           <a:p>
             <a:fld id="{69E57DC2-970A-4B3E-BB1C-7A09969E49DF}" type="slidenum">
               <a:rPr lang="en-US"/>
-              <a:t>‹#›</a:t>
+              <a:t>‹Nr.›</a:t>
             </a:fld>
             <a:endParaRPr lang="en-US"/>
           </a:p>
@@ -2204,7 +2204,7 @@
             <a:fld id="{87DE6118-2437-4B30-8E3C-4D2BE6020583}" type="datetimeFigureOut">
               <a:rPr lang="en-US"/>
               <a:pPr/>
-              <a:t>11/28/2016</a:t>
+              <a:t>11/29/2016</a:t>
             </a:fld>
             <a:endParaRPr lang="en-US"/>
           </a:p>
@@ -2273,7 +2273,7 @@
             <a:fld id="{69E57DC2-970A-4B3E-BB1C-7A09969E49DF}" type="slidenum">
               <a:rPr lang="en-US"/>
               <a:pPr/>
-              <a:t>‹#›</a:t>
+              <a:t>‹Nr.›</a:t>
             </a:fld>
             <a:endParaRPr lang="en-US"/>
           </a:p>
@@ -2594,7 +2594,7 @@
           <a:p>
             <a:fld id="{87DE6118-2437-4B30-8E3C-4D2BE6020583}" type="datetimeFigureOut">
               <a:rPr lang="en-US"/>
-              <a:t>11/28/2016</a:t>
+              <a:t>11/29/2016</a:t>
             </a:fld>
             <a:endParaRPr lang="en-US"/>
           </a:p>
@@ -2636,7 +2636,7 @@
           <a:p>
             <a:fld id="{69E57DC2-970A-4B3E-BB1C-7A09969E49DF}" type="slidenum">
               <a:rPr lang="en-US"/>
-              <a:t>‹#›</a:t>
+              <a:t>‹Nr.›</a:t>
             </a:fld>
             <a:endParaRPr lang="en-US"/>
           </a:p>
@@ -3066,7 +3066,7 @@
           <a:p>
             <a:fld id="{87DE6118-2437-4B30-8E3C-4D2BE6020583}" type="datetimeFigureOut">
               <a:rPr lang="en-US"/>
-              <a:t>11/28/2016</a:t>
+              <a:t>11/29/2016</a:t>
             </a:fld>
             <a:endParaRPr lang="en-US"/>
           </a:p>
@@ -3108,7 +3108,7 @@
           <a:p>
             <a:fld id="{69E57DC2-970A-4B3E-BB1C-7A09969E49DF}" type="slidenum">
               <a:rPr lang="en-US"/>
-              <a:t>‹#›</a:t>
+              <a:t>‹Nr.›</a:t>
             </a:fld>
             <a:endParaRPr lang="en-US"/>
           </a:p>
@@ -3179,7 +3179,7 @@
           <a:p>
             <a:fld id="{87DE6118-2437-4B30-8E3C-4D2BE6020583}" type="datetimeFigureOut">
               <a:rPr lang="en-US"/>
-              <a:t>11/28/2016</a:t>
+              <a:t>11/29/2016</a:t>
             </a:fld>
             <a:endParaRPr lang="en-US"/>
           </a:p>
@@ -3221,7 +3221,7 @@
           <a:p>
             <a:fld id="{69E57DC2-970A-4B3E-BB1C-7A09969E49DF}" type="slidenum">
               <a:rPr lang="en-US"/>
-              <a:t>‹#›</a:t>
+              <a:t>‹Nr.›</a:t>
             </a:fld>
             <a:endParaRPr lang="en-US"/>
           </a:p>
@@ -3269,7 +3269,7 @@
           <a:p>
             <a:fld id="{87DE6118-2437-4B30-8E3C-4D2BE6020583}" type="datetimeFigureOut">
               <a:rPr lang="en-US"/>
-              <a:t>11/28/2016</a:t>
+              <a:t>11/29/2016</a:t>
             </a:fld>
             <a:endParaRPr lang="en-US"/>
           </a:p>
@@ -3311,7 +3311,7 @@
           <a:p>
             <a:fld id="{69E57DC2-970A-4B3E-BB1C-7A09969E49DF}" type="slidenum">
               <a:rPr lang="en-US"/>
-              <a:t>‹#›</a:t>
+              <a:t>‹Nr.›</a:t>
             </a:fld>
             <a:endParaRPr lang="en-US"/>
           </a:p>
@@ -3611,7 +3611,7 @@
             <a:fld id="{87DE6118-2437-4B30-8E3C-4D2BE6020583}" type="datetimeFigureOut">
               <a:rPr lang="en-US"/>
               <a:pPr/>
-              <a:t>11/28/2016</a:t>
+              <a:t>11/29/2016</a:t>
             </a:fld>
             <a:endParaRPr lang="en-US"/>
           </a:p>
@@ -3680,7 +3680,7 @@
             <a:fld id="{69E57DC2-970A-4B3E-BB1C-7A09969E49DF}" type="slidenum">
               <a:rPr lang="en-US"/>
               <a:pPr/>
-              <a:t>‹#›</a:t>
+              <a:t>‹Nr.›</a:t>
             </a:fld>
             <a:endParaRPr lang="en-US"/>
           </a:p>
@@ -3995,7 +3995,7 @@
             <a:fld id="{87DE6118-2437-4B30-8E3C-4D2BE6020583}" type="datetimeFigureOut">
               <a:rPr lang="en-US"/>
               <a:pPr/>
-              <a:t>11/28/2016</a:t>
+              <a:t>11/29/2016</a:t>
             </a:fld>
             <a:endParaRPr lang="en-US"/>
           </a:p>
@@ -4064,7 +4064,7 @@
             <a:fld id="{69E57DC2-970A-4B3E-BB1C-7A09969E49DF}" type="slidenum">
               <a:rPr lang="en-US"/>
               <a:pPr/>
-              <a:t>‹#›</a:t>
+              <a:t>‹Nr.›</a:t>
             </a:fld>
             <a:endParaRPr lang="en-US"/>
           </a:p>
@@ -4270,7 +4270,7 @@
             <a:fld id="{87DE6118-2437-4B30-8E3C-4D2BE6020583}" type="datetimeFigureOut">
               <a:rPr lang="en-US"/>
               <a:pPr/>
-              <a:t>11/28/2016</a:t>
+              <a:t>11/29/2016</a:t>
             </a:fld>
             <a:endParaRPr lang="en-US"/>
           </a:p>
@@ -4345,7 +4345,7 @@
             <a:fld id="{69E57DC2-970A-4B3E-BB1C-7A09969E49DF}" type="slidenum">
               <a:rPr lang="en-US"/>
               <a:pPr/>
-              <a:t>‹#›</a:t>
+              <a:t>‹Nr.›</a:t>
             </a:fld>
             <a:endParaRPr lang="en-US"/>
           </a:p>
@@ -4714,7 +4714,7 @@
   </p:txStyles>
   <p:extLst mod="1">
     <p:ext uri="{27BBF7A9-308A-43DC-89C8-2F10F3537804}">
-      <p15:sldGuideLst xmlns:p15="http://schemas.microsoft.com/office/powerpoint/2012/main">
+      <p15:sldGuideLst xmlns:p15="http://schemas.microsoft.com/office/powerpoint/2012/main" xmlns="">
         <p15:guide id="3" orient="horz" pos="1368">
           <p15:clr>
             <a:srgbClr val="F26B43"/>
@@ -4958,11 +4958,7 @@
             </a:r>
             <a:r>
               <a:rPr lang="en-US"/>
-              <a:t>, </a:t>
-            </a:r>
-            <a:r>
-              <a:rPr lang="en-US"/>
-              <a:t>MSc.</a:t>
+              <a:t>, MSc.</a:t>
             </a:r>
           </a:p>
           <a:p>
@@ -4987,7 +4983,6 @@
               <a:rPr lang="en-US"/>
               <a:t>.</a:t>
             </a:r>
-            <a:endParaRPr lang="en-US"/>
           </a:p>
         </p:txBody>
       </p:sp>
@@ -5676,10 +5671,10 @@
           <a:lstStyle/>
           <a:p>
             <a:r>
-              <a:rPr lang="en-US"/>
+              <a:rPr lang="en-US" dirty="0" err="1"/>
               <a:t>Meilensteine</a:t>
             </a:r>
-            <a:endParaRPr lang="de-AT"/>
+            <a:endParaRPr lang="de-AT" dirty="0"/>
           </a:p>
         </p:txBody>
       </p:sp>
@@ -5701,71 +5696,32 @@
           <a:lstStyle/>
           <a:p>
             <a:r>
-              <a:rPr lang="de-AT" sz="2400" b="1" i="1"/>
-              <a:t>15.10.2016</a:t>
-            </a:r>
-            <a:r>
-              <a:rPr lang="de-AT" sz="2400"/>
-              <a:t> Testumgebung </a:t>
-            </a:r>
-            <a:r>
-              <a:rPr lang="de-AT" sz="2400"/>
-              <a:t>wurde unseren </a:t>
-            </a:r>
-            <a:r>
-              <a:rPr lang="de-AT" sz="2400"/>
-              <a:t>Bedürfnissen angepasst.</a:t>
-            </a:r>
-            <a:endParaRPr lang="de-AT" sz="2400"/>
-          </a:p>
-          <a:p>
-            <a:r>
-              <a:rPr lang="de-AT" sz="2400" b="1" i="1"/>
+              <a:rPr lang="de-AT" sz="2400" b="1" i="1" dirty="0" smtClean="0"/>
               <a:t>13.01.2017</a:t>
             </a:r>
             <a:r>
-              <a:rPr lang="de-AT" sz="2400"/>
+              <a:rPr lang="de-AT" sz="2400" dirty="0" smtClean="0"/>
               <a:t> </a:t>
             </a:r>
             <a:r>
-              <a:rPr lang="de-AT" sz="2400"/>
+              <a:rPr lang="de-AT" sz="2400" dirty="0"/>
               <a:t>Die Grundfunktionen können dem Auftraggeber präsentiert werden.</a:t>
             </a:r>
           </a:p>
           <a:p>
             <a:r>
-              <a:rPr lang="de-AT" sz="2400" b="1" i="1"/>
+              <a:rPr lang="de-AT" sz="2400" b="1" i="1" dirty="0"/>
               <a:t>31.03.2017</a:t>
             </a:r>
             <a:r>
-              <a:rPr lang="de-AT" sz="2400"/>
-              <a:t> Das User-Interface ist soweit implementiert, dass die Grundfunktionen des Ticketsystems verwendbar sind.</a:t>
-            </a:r>
-          </a:p>
-          <a:p>
-            <a:r>
-              <a:rPr lang="de-AT" sz="2400" b="1" i="1"/>
-              <a:t>10.06.2017</a:t>
-            </a:r>
-            <a:r>
-              <a:rPr lang="de-AT" sz="2400"/>
-              <a:t> Dokumentation fertiggestellt</a:t>
-            </a:r>
-          </a:p>
-          <a:p>
-            <a:r>
-              <a:rPr lang="de-AT" sz="2400" b="1" i="1"/>
-              <a:t>20.06.2017</a:t>
-            </a:r>
-            <a:r>
-              <a:rPr lang="de-AT" sz="2400"/>
-              <a:t> Tests der Muss-Anforderungen wurden erfolgreich beendet, sie können prototypisch </a:t>
-            </a:r>
-            <a:r>
-              <a:rPr lang="de-AT" sz="2400"/>
-              <a:t>präsentiert werden</a:t>
-            </a:r>
-            <a:endParaRPr lang="de-AT" sz="2400"/>
+              <a:rPr lang="de-AT" sz="2400" dirty="0"/>
+              <a:t> Das User-Interface ist soweit implementiert, dass die Grundfunktionen des Ticketsystems verwendbar sind</a:t>
+            </a:r>
+            <a:r>
+              <a:rPr lang="de-AT" sz="2400" dirty="0" smtClean="0"/>
+              <a:t>.</a:t>
+            </a:r>
+            <a:endParaRPr lang="de-AT" sz="2400" dirty="0"/>
           </a:p>
         </p:txBody>
       </p:sp>
@@ -5859,13 +5815,8 @@
           <a:p>
             <a:r>
               <a:rPr lang="en-US"/>
-              <a:t>CSS			  Framework: </a:t>
-            </a:r>
-            <a:r>
-              <a:rPr lang="en-US"/>
-              <a:t>Bootstrap</a:t>
-            </a:r>
-            <a:endParaRPr lang="en-US"/>
+              <a:t>CSS			  Framework: Bootstrap</a:t>
+            </a:r>
           </a:p>
           <a:p>
             <a:r>
@@ -5989,64 +5940,158 @@
           <a:lstStyle/>
           <a:p>
             <a:r>
-              <a:rPr lang="en-US"/>
-              <a:t>Jakob Tomasi (Projektleiter)</a:t>
+              <a:rPr lang="en-US" dirty="0" err="1"/>
+              <a:t>Jakob</a:t>
+            </a:r>
+            <a:r>
+              <a:rPr lang="en-US" dirty="0"/>
+              <a:t> </a:t>
+            </a:r>
+            <a:r>
+              <a:rPr lang="en-US" dirty="0" err="1"/>
+              <a:t>Tomasi</a:t>
+            </a:r>
+            <a:r>
+              <a:rPr lang="en-US" dirty="0"/>
+              <a:t> (</a:t>
+            </a:r>
+            <a:r>
+              <a:rPr lang="en-US" dirty="0" err="1"/>
+              <a:t>Projektleiter</a:t>
+            </a:r>
+            <a:r>
+              <a:rPr lang="en-US" dirty="0"/>
+              <a:t>)</a:t>
             </a:r>
           </a:p>
           <a:p>
             <a:pPr lvl="1"/>
             <a:r>
-              <a:rPr lang="en-US"/>
-              <a:t>Einarbeitung in Backendprogrammierung</a:t>
-            </a:r>
+              <a:rPr lang="en-US" dirty="0" err="1"/>
+              <a:t>Einarbeitung</a:t>
+            </a:r>
+            <a:r>
+              <a:rPr lang="en-US" dirty="0"/>
+              <a:t> in </a:t>
+            </a:r>
+            <a:r>
+              <a:rPr lang="en-US" dirty="0" err="1"/>
+              <a:t>Backendprogrammierung</a:t>
+            </a:r>
+            <a:endParaRPr lang="en-US" dirty="0"/>
           </a:p>
           <a:p>
             <a:pPr lvl="1"/>
             <a:r>
-              <a:rPr lang="en-US"/>
-              <a:t>Eruierung der zu entfernenden Funktionen</a:t>
-            </a:r>
-          </a:p>
-          <a:p>
-            <a:r>
-              <a:rPr lang="en-US"/>
-              <a:t>Peter Pollheimer</a:t>
-            </a:r>
+              <a:rPr lang="en-US" dirty="0" err="1"/>
+              <a:t>Eruierung</a:t>
+            </a:r>
+            <a:r>
+              <a:rPr lang="en-US" dirty="0"/>
+              <a:t> der </a:t>
+            </a:r>
+            <a:r>
+              <a:rPr lang="en-US" dirty="0" err="1"/>
+              <a:t>zu</a:t>
+            </a:r>
+            <a:r>
+              <a:rPr lang="en-US" dirty="0"/>
+              <a:t> </a:t>
+            </a:r>
+            <a:r>
+              <a:rPr lang="en-US" dirty="0" err="1"/>
+              <a:t>entfernenden</a:t>
+            </a:r>
+            <a:r>
+              <a:rPr lang="en-US" dirty="0"/>
+              <a:t> </a:t>
+            </a:r>
+            <a:r>
+              <a:rPr lang="en-US" dirty="0" err="1"/>
+              <a:t>Funktionen</a:t>
+            </a:r>
+            <a:endParaRPr lang="en-US" dirty="0"/>
+          </a:p>
+          <a:p>
+            <a:r>
+              <a:rPr lang="en-US" dirty="0"/>
+              <a:t>Peter </a:t>
+            </a:r>
+            <a:r>
+              <a:rPr lang="en-US" dirty="0" err="1"/>
+              <a:t>Pollheimer</a:t>
+            </a:r>
+            <a:endParaRPr lang="en-US" dirty="0"/>
           </a:p>
           <a:p>
             <a:pPr lvl="1"/>
             <a:r>
-              <a:rPr lang="en-US"/>
-              <a:t>Erstellung eines Prototypen</a:t>
-            </a:r>
+              <a:rPr lang="en-US" dirty="0" err="1"/>
+              <a:t>Erstellung</a:t>
+            </a:r>
+            <a:r>
+              <a:rPr lang="en-US" dirty="0"/>
+              <a:t> </a:t>
+            </a:r>
+            <a:r>
+              <a:rPr lang="en-US" dirty="0" err="1"/>
+              <a:t>eines</a:t>
+            </a:r>
+            <a:r>
+              <a:rPr lang="en-US" dirty="0"/>
+              <a:t> </a:t>
+            </a:r>
+            <a:r>
+              <a:rPr lang="en-US" dirty="0" err="1"/>
+              <a:t>Prototypen</a:t>
+            </a:r>
+            <a:endParaRPr lang="en-US" dirty="0"/>
           </a:p>
           <a:p>
             <a:pPr lvl="1"/>
             <a:r>
-              <a:rPr lang="en-US"/>
-              <a:t>Umsetzung des Frontends</a:t>
-            </a:r>
-          </a:p>
-          <a:p>
-            <a:r>
-              <a:rPr lang="en-US"/>
-              <a:t>Elias Gabl</a:t>
-            </a:r>
+              <a:rPr lang="en-US" dirty="0" err="1"/>
+              <a:t>Umsetzung</a:t>
+            </a:r>
+            <a:r>
+              <a:rPr lang="en-US" dirty="0"/>
+              <a:t> des Frontends</a:t>
+            </a:r>
+          </a:p>
+          <a:p>
+            <a:r>
+              <a:rPr lang="en-US" dirty="0"/>
+              <a:t>Elias </a:t>
+            </a:r>
+            <a:r>
+              <a:rPr lang="en-US" dirty="0" err="1"/>
+              <a:t>Gabl</a:t>
+            </a:r>
+            <a:endParaRPr lang="en-US" dirty="0"/>
           </a:p>
           <a:p>
             <a:pPr lvl="1"/>
             <a:r>
-              <a:rPr lang="en-US"/>
-              <a:t>Einarbeitung in Datenbankstruktur</a:t>
-            </a:r>
+              <a:rPr lang="en-US" dirty="0" err="1"/>
+              <a:t>Einarbeitung</a:t>
+            </a:r>
+            <a:r>
+              <a:rPr lang="en-US" dirty="0"/>
+              <a:t> in </a:t>
+            </a:r>
+            <a:r>
+              <a:rPr lang="en-US" dirty="0" err="1"/>
+              <a:t>Datenbankstruktur</a:t>
+            </a:r>
+            <a:endParaRPr lang="en-US" dirty="0"/>
           </a:p>
           <a:p>
             <a:pPr lvl="1"/>
             <a:r>
-              <a:rPr lang="en-US"/>
+              <a:rPr lang="en-US" dirty="0" err="1"/>
               <a:t>Clustereinteilung</a:t>
             </a:r>
-            <a:endParaRPr lang="en-US"/>
+            <a:endParaRPr lang="en-US" dirty="0"/>
           </a:p>
         </p:txBody>
       </p:sp>
@@ -6315,7 +6360,7 @@
   <a:extraClrSchemeLst/>
   <a:extLst>
     <a:ext uri="{05A4C25C-085E-4340-85A3-A5531E510DB2}">
-      <thm15:themeFamily xmlns:thm15="http://schemas.microsoft.com/office/thememl/2012/main" name="Crop" id="{EC9488ED-E761-4D60-9AC4-764D1FE2C171}" vid="{CE19780C-D67D-4C13-9DE9-A52BC3BA51B4}"/>
+      <thm15:themeFamily xmlns:thm15="http://schemas.microsoft.com/office/thememl/2012/main" xmlns="" name="Crop" id="{EC9488ED-E761-4D60-9AC4-764D1FE2C171}" vid="{CE19780C-D67D-4C13-9DE9-A52BC3BA51B4}"/>
     </a:ext>
   </a:extLst>
 </a:theme>
@@ -6610,7 +6655,7 @@
   <a:extraClrSchemeLst/>
   <a:extLst>
     <a:ext uri="{05A4C25C-085E-4340-85A3-A5531E510DB2}">
-      <thm15:themeFamily xmlns:thm15="http://schemas.microsoft.com/office/thememl/2012/main" name="Office Theme" id="{62F939B6-93AF-4DB8-9C6B-D6C7DFDC589F}" vid="{4A3C46E8-61CC-4603-A589-7422A47A8E4A}"/>
+      <thm15:themeFamily xmlns:thm15="http://schemas.microsoft.com/office/thememl/2012/main" xmlns="" name="Office Theme" id="{62F939B6-93AF-4DB8-9C6B-D6C7DFDC589F}" vid="{4A3C46E8-61CC-4603-A589-7422A47A8E4A}"/>
     </a:ext>
   </a:extLst>
 </a:theme>
